--- a/Swift Otel Uygulaması Projesi/Rapor, Sunum, Afiş/Otel Uygulaması.pptx
+++ b/Swift Otel Uygulaması Projesi/Rapor, Sunum, Afiş/Otel Uygulaması.pptx
@@ -12,14 +12,15 @@
     <p:sldId id="271" r:id="rId6"/>
     <p:sldId id="272" r:id="rId7"/>
     <p:sldId id="274" r:id="rId8"/>
-    <p:sldId id="276" r:id="rId9"/>
-    <p:sldId id="273" r:id="rId10"/>
+    <p:sldId id="273" r:id="rId9"/>
+    <p:sldId id="276" r:id="rId10"/>
     <p:sldId id="275" r:id="rId11"/>
     <p:sldId id="279" r:id="rId12"/>
-    <p:sldId id="278" r:id="rId13"/>
-    <p:sldId id="277" r:id="rId14"/>
-    <p:sldId id="280" r:id="rId15"/>
-    <p:sldId id="281" r:id="rId16"/>
+    <p:sldId id="282" r:id="rId13"/>
+    <p:sldId id="278" r:id="rId14"/>
+    <p:sldId id="277" r:id="rId15"/>
+    <p:sldId id="280" r:id="rId16"/>
+    <p:sldId id="281" r:id="rId17"/>
   </p:sldIdLst>
   <p:sldSz cx="12192000" cy="6858000"/>
   <p:notesSz cx="6858000" cy="9144000"/>
@@ -273,7 +274,7 @@
           <a:p>
             <a:fld id="{B34C66C1-F6A7-48AC-866E-171F04E393F7}" type="datetimeFigureOut">
               <a:rPr lang="tr-TR" smtClean="0"/>
-              <a:t>5.04.2020</a:t>
+              <a:t>28.04.2020</a:t>
             </a:fld>
             <a:endParaRPr lang="tr-TR"/>
           </a:p>
@@ -471,7 +472,7 @@
           <a:p>
             <a:fld id="{B34C66C1-F6A7-48AC-866E-171F04E393F7}" type="datetimeFigureOut">
               <a:rPr lang="tr-TR" smtClean="0"/>
-              <a:t>5.04.2020</a:t>
+              <a:t>28.04.2020</a:t>
             </a:fld>
             <a:endParaRPr lang="tr-TR"/>
           </a:p>
@@ -679,7 +680,7 @@
           <a:p>
             <a:fld id="{B34C66C1-F6A7-48AC-866E-171F04E393F7}" type="datetimeFigureOut">
               <a:rPr lang="tr-TR" smtClean="0"/>
-              <a:t>5.04.2020</a:t>
+              <a:t>28.04.2020</a:t>
             </a:fld>
             <a:endParaRPr lang="tr-TR"/>
           </a:p>
@@ -877,7 +878,7 @@
           <a:p>
             <a:fld id="{B34C66C1-F6A7-48AC-866E-171F04E393F7}" type="datetimeFigureOut">
               <a:rPr lang="tr-TR" smtClean="0"/>
-              <a:t>5.04.2020</a:t>
+              <a:t>28.04.2020</a:t>
             </a:fld>
             <a:endParaRPr lang="tr-TR"/>
           </a:p>
@@ -1152,7 +1153,7 @@
           <a:p>
             <a:fld id="{B34C66C1-F6A7-48AC-866E-171F04E393F7}" type="datetimeFigureOut">
               <a:rPr lang="tr-TR" smtClean="0"/>
-              <a:t>5.04.2020</a:t>
+              <a:t>28.04.2020</a:t>
             </a:fld>
             <a:endParaRPr lang="tr-TR"/>
           </a:p>
@@ -1417,7 +1418,7 @@
           <a:p>
             <a:fld id="{B34C66C1-F6A7-48AC-866E-171F04E393F7}" type="datetimeFigureOut">
               <a:rPr lang="tr-TR" smtClean="0"/>
-              <a:t>5.04.2020</a:t>
+              <a:t>28.04.2020</a:t>
             </a:fld>
             <a:endParaRPr lang="tr-TR"/>
           </a:p>
@@ -1829,7 +1830,7 @@
           <a:p>
             <a:fld id="{B34C66C1-F6A7-48AC-866E-171F04E393F7}" type="datetimeFigureOut">
               <a:rPr lang="tr-TR" smtClean="0"/>
-              <a:t>5.04.2020</a:t>
+              <a:t>28.04.2020</a:t>
             </a:fld>
             <a:endParaRPr lang="tr-TR"/>
           </a:p>
@@ -1970,7 +1971,7 @@
           <a:p>
             <a:fld id="{B34C66C1-F6A7-48AC-866E-171F04E393F7}" type="datetimeFigureOut">
               <a:rPr lang="tr-TR" smtClean="0"/>
-              <a:t>5.04.2020</a:t>
+              <a:t>28.04.2020</a:t>
             </a:fld>
             <a:endParaRPr lang="tr-TR"/>
           </a:p>
@@ -2083,7 +2084,7 @@
           <a:p>
             <a:fld id="{B34C66C1-F6A7-48AC-866E-171F04E393F7}" type="datetimeFigureOut">
               <a:rPr lang="tr-TR" smtClean="0"/>
-              <a:t>5.04.2020</a:t>
+              <a:t>28.04.2020</a:t>
             </a:fld>
             <a:endParaRPr lang="tr-TR"/>
           </a:p>
@@ -2394,7 +2395,7 @@
           <a:p>
             <a:fld id="{B34C66C1-F6A7-48AC-866E-171F04E393F7}" type="datetimeFigureOut">
               <a:rPr lang="tr-TR" smtClean="0"/>
-              <a:t>5.04.2020</a:t>
+              <a:t>28.04.2020</a:t>
             </a:fld>
             <a:endParaRPr lang="tr-TR"/>
           </a:p>
@@ -2682,7 +2683,7 @@
           <a:p>
             <a:fld id="{B34C66C1-F6A7-48AC-866E-171F04E393F7}" type="datetimeFigureOut">
               <a:rPr lang="tr-TR" smtClean="0"/>
-              <a:t>5.04.2020</a:t>
+              <a:t>28.04.2020</a:t>
             </a:fld>
             <a:endParaRPr lang="tr-TR"/>
           </a:p>
@@ -2923,7 +2924,7 @@
           <a:p>
             <a:fld id="{B34C66C1-F6A7-48AC-866E-171F04E393F7}" type="datetimeFigureOut">
               <a:rPr lang="tr-TR" smtClean="0"/>
-              <a:t>5.04.2020</a:t>
+              <a:t>28.04.2020</a:t>
             </a:fld>
             <a:endParaRPr lang="tr-TR"/>
           </a:p>
@@ -3640,12 +3641,14 @@
         </p:nvSpPr>
         <p:spPr>
           <a:xfrm>
-            <a:off x="838200" y="1825625"/>
-            <a:ext cx="5181600" cy="2954922"/>
-          </a:xfrm>
-        </p:spPr>
-        <p:txBody>
-          <a:bodyPr/>
+            <a:off x="192313" y="1690688"/>
+            <a:ext cx="5555343" cy="2416855"/>
+          </a:xfrm>
+        </p:spPr>
+        <p:txBody>
+          <a:bodyPr>
+            <a:normAutofit/>
+          </a:bodyPr>
           <a:lstStyle/>
           <a:p>
             <a:r>
@@ -3685,8 +3688,80 @@
         </p:blipFill>
         <p:spPr>
           <a:xfrm>
-            <a:off x="6348663" y="2048714"/>
-            <a:ext cx="5181600" cy="1530927"/>
+            <a:off x="1468543" y="4458681"/>
+            <a:ext cx="8558225" cy="2297945"/>
+          </a:xfrm>
+          <a:prstGeom prst="rect">
+            <a:avLst/>
+          </a:prstGeom>
+        </p:spPr>
+      </p:pic>
+      <p:pic>
+        <p:nvPicPr>
+          <p:cNvPr id="6" name="Resim 5">
+            <a:extLst>
+              <a:ext uri="{FF2B5EF4-FFF2-40B4-BE49-F238E27FC236}">
+                <a16:creationId xmlns:a16="http://schemas.microsoft.com/office/drawing/2014/main" id="{64A66D01-4424-475C-BF45-DFBD50DEA98E}"/>
+              </a:ext>
+            </a:extLst>
+          </p:cNvPr>
+          <p:cNvPicPr>
+            <a:picLocks noChangeAspect="1"/>
+          </p:cNvPicPr>
+          <p:nvPr/>
+        </p:nvPicPr>
+        <p:blipFill>
+          <a:blip r:embed="rId3">
+            <a:extLst>
+              <a:ext uri="{28A0092B-C50C-407E-A947-70E740481C1C}">
+                <a14:useLocalDpi xmlns:a14="http://schemas.microsoft.com/office/drawing/2010/main" val="0"/>
+              </a:ext>
+            </a:extLst>
+          </a:blip>
+          <a:stretch>
+            <a:fillRect/>
+          </a:stretch>
+        </p:blipFill>
+        <p:spPr>
+          <a:xfrm>
+            <a:off x="7256437" y="584218"/>
+            <a:ext cx="3600953" cy="1543265"/>
+          </a:xfrm>
+          <a:prstGeom prst="rect">
+            <a:avLst/>
+          </a:prstGeom>
+        </p:spPr>
+      </p:pic>
+      <p:pic>
+        <p:nvPicPr>
+          <p:cNvPr id="8" name="Resim 7">
+            <a:extLst>
+              <a:ext uri="{FF2B5EF4-FFF2-40B4-BE49-F238E27FC236}">
+                <a16:creationId xmlns:a16="http://schemas.microsoft.com/office/drawing/2014/main" id="{22DF216B-20ED-4CFD-8315-06E2C34E3362}"/>
+              </a:ext>
+            </a:extLst>
+          </p:cNvPr>
+          <p:cNvPicPr>
+            <a:picLocks noChangeAspect="1"/>
+          </p:cNvPicPr>
+          <p:nvPr/>
+        </p:nvPicPr>
+        <p:blipFill>
+          <a:blip r:embed="rId4">
+            <a:extLst>
+              <a:ext uri="{28A0092B-C50C-407E-A947-70E740481C1C}">
+                <a14:useLocalDpi xmlns:a14="http://schemas.microsoft.com/office/drawing/2010/main" val="0"/>
+              </a:ext>
+            </a:extLst>
+          </a:blip>
+          <a:stretch>
+            <a:fillRect/>
+          </a:stretch>
+        </p:blipFill>
+        <p:spPr>
+          <a:xfrm>
+            <a:off x="7256437" y="2399319"/>
+            <a:ext cx="3505689" cy="1476581"/>
           </a:xfrm>
           <a:prstGeom prst="rect">
             <a:avLst/>
@@ -3731,7 +3806,7 @@
           <p:cNvPr id="2" name="Başlık 1">
             <a:extLst>
               <a:ext uri="{FF2B5EF4-FFF2-40B4-BE49-F238E27FC236}">
-                <a16:creationId xmlns:a16="http://schemas.microsoft.com/office/drawing/2014/main" id="{C325E37E-E5C9-461A-B14F-B9B1D809BA20}"/>
+                <a16:creationId xmlns:a16="http://schemas.microsoft.com/office/drawing/2014/main" id="{EC0B4856-52C0-4EF2-A8D4-4555C34E4F51}"/>
               </a:ext>
             </a:extLst>
           </p:cNvPr>
@@ -3747,71 +3822,28 @@
           <a:bodyPr/>
           <a:lstStyle/>
           <a:p>
+            <a:pPr algn="ctr"/>
             <a:r>
               <a:rPr lang="tr-TR" dirty="0"/>
-              <a:t>Activity İndicator View</a:t>
-            </a:r>
-          </a:p>
-        </p:txBody>
-      </p:sp>
-      <p:sp>
-        <p:nvSpPr>
-          <p:cNvPr id="3" name="İçerik Yer Tutucusu 2">
-            <a:extLst>
-              <a:ext uri="{FF2B5EF4-FFF2-40B4-BE49-F238E27FC236}">
-                <a16:creationId xmlns:a16="http://schemas.microsoft.com/office/drawing/2014/main" id="{39494057-6EAD-4FA7-ADA1-BD4891AD4D55}"/>
-              </a:ext>
-            </a:extLst>
-          </p:cNvPr>
-          <p:cNvSpPr>
-            <a:spLocks noGrp="1"/>
-          </p:cNvSpPr>
-          <p:nvPr>
-            <p:ph sz="half" idx="1"/>
-          </p:nvPr>
-        </p:nvSpPr>
-        <p:spPr>
-          <a:xfrm>
-            <a:off x="838200" y="1690688"/>
-            <a:ext cx="4359444" cy="3147428"/>
-          </a:xfrm>
-        </p:spPr>
-        <p:txBody>
-          <a:bodyPr>
-            <a:normAutofit/>
-          </a:bodyPr>
-          <a:lstStyle/>
-          <a:p>
-            <a:r>
-              <a:rPr lang="tr-TR" dirty="0"/>
-              <a:t>Outlet olarak tanımlanır. İv olarak tanımlanan indicator override fonksiyonu içerisine</a:t>
-            </a:r>
-          </a:p>
-          <a:p>
-            <a:r>
-              <a:rPr lang="tr-TR" dirty="0"/>
-              <a:t>iv.isHidden == true yani görünür olması için eklenir.</a:t>
-            </a:r>
-          </a:p>
-          <a:p>
-            <a:endParaRPr lang="tr-TR" dirty="0"/>
+              <a:t>Date Picker</a:t>
+            </a:r>
           </a:p>
         </p:txBody>
       </p:sp>
       <p:pic>
         <p:nvPicPr>
-          <p:cNvPr id="5" name="İçerik Yer Tutucusu 4">
-            <a:extLst>
-              <a:ext uri="{FF2B5EF4-FFF2-40B4-BE49-F238E27FC236}">
-                <a16:creationId xmlns:a16="http://schemas.microsoft.com/office/drawing/2014/main" id="{968D3187-849B-4B83-BDCE-51E41971ED06}"/>
+          <p:cNvPr id="6" name="İçerik Yer Tutucusu 5">
+            <a:extLst>
+              <a:ext uri="{FF2B5EF4-FFF2-40B4-BE49-F238E27FC236}">
+                <a16:creationId xmlns:a16="http://schemas.microsoft.com/office/drawing/2014/main" id="{BC716D8A-EF2F-4044-9152-FEEF90EF4305}"/>
               </a:ext>
             </a:extLst>
           </p:cNvPr>
           <p:cNvPicPr>
-            <a:picLocks noGrp="1"/>
+            <a:picLocks noGrp="1" noChangeAspect="1"/>
           </p:cNvPicPr>
           <p:nvPr>
-            <p:ph sz="half" idx="2"/>
+            <p:ph sz="half" idx="1"/>
           </p:nvPr>
         </p:nvPicPr>
         <p:blipFill>
@@ -3828,27 +3860,91 @@
         </p:blipFill>
         <p:spPr>
           <a:xfrm>
-            <a:off x="5871411" y="1690688"/>
-            <a:ext cx="5249355" cy="4101556"/>
+            <a:off x="707572" y="3953102"/>
+            <a:ext cx="5181600" cy="2066976"/>
+          </a:xfrm>
+        </p:spPr>
+      </p:pic>
+      <p:pic>
+        <p:nvPicPr>
+          <p:cNvPr id="9" name="İçerik Yer Tutucusu 8">
+            <a:extLst>
+              <a:ext uri="{FF2B5EF4-FFF2-40B4-BE49-F238E27FC236}">
+                <a16:creationId xmlns:a16="http://schemas.microsoft.com/office/drawing/2014/main" id="{1FA1F9D1-C389-4DD7-AF21-178C5F2C5C4A}"/>
+              </a:ext>
+            </a:extLst>
+          </p:cNvPr>
+          <p:cNvPicPr>
+            <a:picLocks noGrp="1" noChangeAspect="1"/>
+          </p:cNvPicPr>
+          <p:nvPr>
+            <p:ph sz="half" idx="2"/>
+          </p:nvPr>
+        </p:nvPicPr>
+        <p:blipFill>
+          <a:blip r:embed="rId3">
+            <a:extLst>
+              <a:ext uri="{28A0092B-C50C-407E-A947-70E740481C1C}">
+                <a14:useLocalDpi xmlns:a14="http://schemas.microsoft.com/office/drawing/2010/main" val="0"/>
+              </a:ext>
+            </a:extLst>
+          </a:blip>
+          <a:stretch>
+            <a:fillRect/>
+          </a:stretch>
+        </p:blipFill>
+        <p:spPr>
+          <a:xfrm>
+            <a:off x="6957760" y="2200817"/>
+            <a:ext cx="3610479" cy="3600953"/>
+          </a:xfrm>
+        </p:spPr>
+      </p:pic>
+      <p:sp>
+        <p:nvSpPr>
+          <p:cNvPr id="7" name="Metin kutusu 6">
+            <a:extLst>
+              <a:ext uri="{FF2B5EF4-FFF2-40B4-BE49-F238E27FC236}">
+                <a16:creationId xmlns:a16="http://schemas.microsoft.com/office/drawing/2014/main" id="{44F29F53-EDE4-47B0-98EE-090131DE821D}"/>
+              </a:ext>
+            </a:extLst>
+          </p:cNvPr>
+          <p:cNvSpPr txBox="1"/>
+          <p:nvPr/>
+        </p:nvSpPr>
+        <p:spPr>
+          <a:xfrm>
+            <a:off x="707572" y="1825625"/>
+            <a:ext cx="4815742" cy="369332"/>
           </a:xfrm>
           <a:prstGeom prst="rect">
             <a:avLst/>
           </a:prstGeom>
-        </p:spPr>
-      </p:pic>
+          <a:noFill/>
+        </p:spPr>
+        <p:txBody>
+          <a:bodyPr wrap="none" rtlCol="0">
+            <a:spAutoFit/>
+          </a:bodyPr>
+          <a:lstStyle/>
+          <a:p>
+            <a:r>
+              <a:rPr lang="tr-TR" dirty="0"/>
+              <a:t>Tarih ve Saat seçimi için Date Picker kullanıyorum.</a:t>
+            </a:r>
+          </a:p>
+        </p:txBody>
+      </p:sp>
     </p:spTree>
     <p:extLst>
       <p:ext uri="{BB962C8B-B14F-4D97-AF65-F5344CB8AC3E}">
-        <p14:creationId xmlns:p14="http://schemas.microsoft.com/office/powerpoint/2010/main" val="3952263920"/>
+        <p14:creationId xmlns:p14="http://schemas.microsoft.com/office/powerpoint/2010/main" val="453111772"/>
       </p:ext>
     </p:extLst>
   </p:cSld>
   <p:clrMapOvr>
     <a:masterClrMapping/>
   </p:clrMapOvr>
-  <p:transition spd="slow">
-    <p:wipe/>
-  </p:transition>
 </p:sld>
 </file>
 
@@ -3874,7 +3970,7 @@
           <p:cNvPr id="2" name="Başlık 1">
             <a:extLst>
               <a:ext uri="{FF2B5EF4-FFF2-40B4-BE49-F238E27FC236}">
-                <a16:creationId xmlns:a16="http://schemas.microsoft.com/office/drawing/2014/main" id="{233283D8-D245-418C-9040-AE2C42F93B85}"/>
+                <a16:creationId xmlns:a16="http://schemas.microsoft.com/office/drawing/2014/main" id="{C325E37E-E5C9-461A-B14F-B9B1D809BA20}"/>
               </a:ext>
             </a:extLst>
           </p:cNvPr>
@@ -3890,10 +3986,9 @@
           <a:bodyPr/>
           <a:lstStyle/>
           <a:p>
-            <a:pPr algn="ctr"/>
             <a:r>
               <a:rPr lang="tr-TR" dirty="0"/>
-              <a:t>Sayfalar Arası Veri Alışverişi</a:t>
+              <a:t>Activity İndicator View</a:t>
             </a:r>
           </a:p>
         </p:txBody>
@@ -3903,7 +3998,7 @@
           <p:cNvPr id="3" name="İçerik Yer Tutucusu 2">
             <a:extLst>
               <a:ext uri="{FF2B5EF4-FFF2-40B4-BE49-F238E27FC236}">
-                <a16:creationId xmlns:a16="http://schemas.microsoft.com/office/drawing/2014/main" id="{B528D918-0DED-4091-85AD-CF66914492B4}"/>
+                <a16:creationId xmlns:a16="http://schemas.microsoft.com/office/drawing/2014/main" id="{39494057-6EAD-4FA7-ADA1-BD4891AD4D55}"/>
               </a:ext>
             </a:extLst>
           </p:cNvPr>
@@ -3914,27 +4009,31 @@
             <p:ph sz="half" idx="1"/>
           </p:nvPr>
         </p:nvSpPr>
-        <p:spPr/>
-        <p:txBody>
-          <a:bodyPr/>
+        <p:spPr>
+          <a:xfrm>
+            <a:off x="838200" y="1690688"/>
+            <a:ext cx="4359444" cy="3147428"/>
+          </a:xfrm>
+        </p:spPr>
+        <p:txBody>
+          <a:bodyPr>
+            <a:normAutofit/>
+          </a:bodyPr>
           <a:lstStyle/>
           <a:p>
             <a:r>
               <a:rPr lang="tr-TR" dirty="0"/>
-              <a:t>Stepper ile arttırılan sayı miktarını label’ da tutuluyor. </a:t>
+              <a:t>Outlet olarak tanımlanır. İv olarak tanımlanan indicator override fonksiyonu içerisine</a:t>
             </a:r>
           </a:p>
           <a:p>
             <a:r>
               <a:rPr lang="tr-TR" dirty="0"/>
-              <a:t>Bu verileri segue ile gönderimini sağlıyorum. Override fonksiyonu içerisinde </a:t>
-            </a:r>
-          </a:p>
-          <a:p>
-            <a:r>
-              <a:rPr lang="tr-TR" dirty="0"/>
-              <a:t>İf ile segue destinasyonunu belirleniyor. Hangi sayfaya iletilmesi isteniliyorsa ilgili segue seçiliyor.</a:t>
-            </a:r>
+              <a:t>iv.isHidden == true yani görünür olması için eklenir.</a:t>
+            </a:r>
+          </a:p>
+          <a:p>
+            <a:endParaRPr lang="tr-TR" dirty="0"/>
           </a:p>
         </p:txBody>
       </p:sp>
@@ -3943,7 +4042,7 @@
           <p:cNvPr id="5" name="İçerik Yer Tutucusu 4">
             <a:extLst>
               <a:ext uri="{FF2B5EF4-FFF2-40B4-BE49-F238E27FC236}">
-                <a16:creationId xmlns:a16="http://schemas.microsoft.com/office/drawing/2014/main" id="{3274093D-0CC8-486D-9286-160B437BD4F6}"/>
+                <a16:creationId xmlns:a16="http://schemas.microsoft.com/office/drawing/2014/main" id="{968D3187-849B-4B83-BDCE-51E41971ED06}"/>
               </a:ext>
             </a:extLst>
           </p:cNvPr>
@@ -3968,8 +4067,8 @@
         </p:blipFill>
         <p:spPr>
           <a:xfrm>
-            <a:off x="6405233" y="2210344"/>
-            <a:ext cx="4715533" cy="3581900"/>
+            <a:off x="5871411" y="1690688"/>
+            <a:ext cx="5249355" cy="4101556"/>
           </a:xfrm>
           <a:prstGeom prst="rect">
             <a:avLst/>
@@ -3979,7 +4078,7 @@
     </p:spTree>
     <p:extLst>
       <p:ext uri="{BB962C8B-B14F-4D97-AF65-F5344CB8AC3E}">
-        <p14:creationId xmlns:p14="http://schemas.microsoft.com/office/powerpoint/2010/main" val="1214822019"/>
+        <p14:creationId xmlns:p14="http://schemas.microsoft.com/office/powerpoint/2010/main" val="3952263920"/>
       </p:ext>
     </p:extLst>
   </p:cSld>
@@ -4014,7 +4113,7 @@
           <p:cNvPr id="2" name="Başlık 1">
             <a:extLst>
               <a:ext uri="{FF2B5EF4-FFF2-40B4-BE49-F238E27FC236}">
-                <a16:creationId xmlns:a16="http://schemas.microsoft.com/office/drawing/2014/main" id="{63D3896F-A794-4E69-A609-56061C404D12}"/>
+                <a16:creationId xmlns:a16="http://schemas.microsoft.com/office/drawing/2014/main" id="{233283D8-D245-418C-9040-AE2C42F93B85}"/>
               </a:ext>
             </a:extLst>
           </p:cNvPr>
@@ -4025,19 +4124,15 @@
             <p:ph type="title"/>
           </p:nvPr>
         </p:nvSpPr>
-        <p:spPr>
-          <a:xfrm>
-            <a:off x="838200" y="365125"/>
-            <a:ext cx="5562600" cy="1325563"/>
-          </a:xfrm>
-        </p:spPr>
-        <p:txBody>
-          <a:bodyPr/>
-          <a:lstStyle/>
-          <a:p>
+        <p:spPr/>
+        <p:txBody>
+          <a:bodyPr/>
+          <a:lstStyle/>
+          <a:p>
+            <a:pPr algn="ctr"/>
             <a:r>
               <a:rPr lang="tr-TR" dirty="0"/>
-              <a:t>Hata ekranı oluşturma </a:t>
+              <a:t>Sayfalar Arası Veri Alışverişi</a:t>
             </a:r>
           </a:p>
         </p:txBody>
@@ -4047,7 +4142,7 @@
           <p:cNvPr id="3" name="İçerik Yer Tutucusu 2">
             <a:extLst>
               <a:ext uri="{FF2B5EF4-FFF2-40B4-BE49-F238E27FC236}">
-                <a16:creationId xmlns:a16="http://schemas.microsoft.com/office/drawing/2014/main" id="{6A56037C-9228-4348-AB10-99BBF344E345}"/>
+                <a16:creationId xmlns:a16="http://schemas.microsoft.com/office/drawing/2014/main" id="{B528D918-0DED-4091-85AD-CF66914492B4}"/>
               </a:ext>
             </a:extLst>
           </p:cNvPr>
@@ -4058,59 +4153,42 @@
             <p:ph sz="half" idx="1"/>
           </p:nvPr>
         </p:nvSpPr>
-        <p:spPr>
-          <a:xfrm>
-            <a:off x="838199" y="1825625"/>
-            <a:ext cx="6348663" cy="4351338"/>
-          </a:xfrm>
-        </p:spPr>
-        <p:txBody>
-          <a:bodyPr>
-            <a:normAutofit fontScale="92500" lnSpcReduction="20000"/>
-          </a:bodyPr>
+        <p:spPr/>
+        <p:txBody>
+          <a:bodyPr/>
           <a:lstStyle/>
           <a:p>
             <a:r>
               <a:rPr lang="tr-TR" dirty="0"/>
-              <a:t>Uygulama içerisinde kullanılan içeriklerde eksik veya yanlış kullanımları engellemek amacıyla uyarı mesajı kullanılması tercih ediliyor. </a:t>
+              <a:t>Stepper ile arttırılan sayı miktarını label’ da tutuluyor. </a:t>
             </a:r>
           </a:p>
           <a:p>
             <a:r>
               <a:rPr lang="tr-TR" dirty="0"/>
-              <a:t>Projede Doldurulması gerekilen alanların boş bırakılması durumunda kullanılıyor.</a:t>
+              <a:t>Bu verileri segue ile gönderimini sağlıyorum. Override fonksiyonu içerisinde </a:t>
             </a:r>
           </a:p>
           <a:p>
             <a:r>
               <a:rPr lang="tr-TR" dirty="0"/>
-              <a:t>Veri alışverişinde kullanılan storyboardsegue fonksiyonu içerisinde </a:t>
-            </a:r>
-          </a:p>
-          <a:p>
-            <a:r>
-              <a:rPr lang="tr-TR" dirty="0"/>
-              <a:t>İf yapısı ile eğer ks, oda ve yatak adındaki label’ lar boş bırakılırsa (Stepper ile arttırılmaz ise) </a:t>
-            </a:r>
-          </a:p>
-          <a:p>
-            <a:r>
-              <a:rPr lang="tr-TR" dirty="0"/>
-              <a:t>Uyari değişkenini oluşturup alertcontroller metodu kullanılıyor.</a:t>
+              <a:t>İf ile segue destinasyonunu belirleniyor. Hangi sayfaya iletilmesi isteniliyorsa ilgili segue seçiliyor.</a:t>
             </a:r>
           </a:p>
         </p:txBody>
       </p:sp>
       <p:pic>
         <p:nvPicPr>
-          <p:cNvPr id="5" name="Resim 4">
-            <a:extLst>
-              <a:ext uri="{FF2B5EF4-FFF2-40B4-BE49-F238E27FC236}">
-                <a16:creationId xmlns:a16="http://schemas.microsoft.com/office/drawing/2014/main" id="{16C13687-3047-4440-B017-45C6FEFE3397}"/>
-              </a:ext>
-            </a:extLst>
-          </p:cNvPr>
-          <p:cNvPicPr/>
+          <p:cNvPr id="9" name="Resim 8">
+            <a:extLst>
+              <a:ext uri="{FF2B5EF4-FFF2-40B4-BE49-F238E27FC236}">
+                <a16:creationId xmlns:a16="http://schemas.microsoft.com/office/drawing/2014/main" id="{50DB8439-3E9A-433B-9A55-FE2047E452A1}"/>
+              </a:ext>
+            </a:extLst>
+          </p:cNvPr>
+          <p:cNvPicPr>
+            <a:picLocks noChangeAspect="1"/>
+          </p:cNvPicPr>
           <p:nvPr/>
         </p:nvPicPr>
         <p:blipFill>
@@ -4127,8 +4205,44 @@
         </p:blipFill>
         <p:spPr>
           <a:xfrm>
-            <a:off x="7446546" y="671195"/>
-            <a:ext cx="4229100" cy="5515610"/>
+            <a:off x="6898527" y="1575013"/>
+            <a:ext cx="4229690" cy="2133898"/>
+          </a:xfrm>
+          <a:prstGeom prst="rect">
+            <a:avLst/>
+          </a:prstGeom>
+        </p:spPr>
+      </p:pic>
+      <p:pic>
+        <p:nvPicPr>
+          <p:cNvPr id="11" name="Resim 10">
+            <a:extLst>
+              <a:ext uri="{FF2B5EF4-FFF2-40B4-BE49-F238E27FC236}">
+                <a16:creationId xmlns:a16="http://schemas.microsoft.com/office/drawing/2014/main" id="{879BC6C9-50DC-4B07-8A2E-AB6940496F53}"/>
+              </a:ext>
+            </a:extLst>
+          </p:cNvPr>
+          <p:cNvPicPr>
+            <a:picLocks noChangeAspect="1"/>
+          </p:cNvPicPr>
+          <p:nvPr/>
+        </p:nvPicPr>
+        <p:blipFill>
+          <a:blip r:embed="rId3">
+            <a:extLst>
+              <a:ext uri="{28A0092B-C50C-407E-A947-70E740481C1C}">
+                <a14:useLocalDpi xmlns:a14="http://schemas.microsoft.com/office/drawing/2010/main" val="0"/>
+              </a:ext>
+            </a:extLst>
+          </a:blip>
+          <a:stretch>
+            <a:fillRect/>
+          </a:stretch>
+        </p:blipFill>
+        <p:spPr>
+          <a:xfrm>
+            <a:off x="6898527" y="4047859"/>
+            <a:ext cx="4229690" cy="2531889"/>
           </a:xfrm>
           <a:prstGeom prst="rect">
             <a:avLst/>
@@ -4138,7 +4252,7 @@
     </p:spTree>
     <p:extLst>
       <p:ext uri="{BB962C8B-B14F-4D97-AF65-F5344CB8AC3E}">
-        <p14:creationId xmlns:p14="http://schemas.microsoft.com/office/powerpoint/2010/main" val="531091399"/>
+        <p14:creationId xmlns:p14="http://schemas.microsoft.com/office/powerpoint/2010/main" val="1214822019"/>
       </p:ext>
     </p:extLst>
   </p:cSld>
@@ -4173,6 +4287,167 @@
           <p:cNvPr id="2" name="Başlık 1">
             <a:extLst>
               <a:ext uri="{FF2B5EF4-FFF2-40B4-BE49-F238E27FC236}">
+                <a16:creationId xmlns:a16="http://schemas.microsoft.com/office/drawing/2014/main" id="{63D3896F-A794-4E69-A609-56061C404D12}"/>
+              </a:ext>
+            </a:extLst>
+          </p:cNvPr>
+          <p:cNvSpPr>
+            <a:spLocks noGrp="1"/>
+          </p:cNvSpPr>
+          <p:nvPr>
+            <p:ph type="title"/>
+          </p:nvPr>
+        </p:nvSpPr>
+        <p:spPr>
+          <a:xfrm>
+            <a:off x="838200" y="365125"/>
+            <a:ext cx="5562600" cy="1325563"/>
+          </a:xfrm>
+        </p:spPr>
+        <p:txBody>
+          <a:bodyPr/>
+          <a:lstStyle/>
+          <a:p>
+            <a:r>
+              <a:rPr lang="tr-TR" dirty="0"/>
+              <a:t>Hata ekranı oluşturma </a:t>
+            </a:r>
+          </a:p>
+        </p:txBody>
+      </p:sp>
+      <p:sp>
+        <p:nvSpPr>
+          <p:cNvPr id="3" name="İçerik Yer Tutucusu 2">
+            <a:extLst>
+              <a:ext uri="{FF2B5EF4-FFF2-40B4-BE49-F238E27FC236}">
+                <a16:creationId xmlns:a16="http://schemas.microsoft.com/office/drawing/2014/main" id="{6A56037C-9228-4348-AB10-99BBF344E345}"/>
+              </a:ext>
+            </a:extLst>
+          </p:cNvPr>
+          <p:cNvSpPr>
+            <a:spLocks noGrp="1"/>
+          </p:cNvSpPr>
+          <p:nvPr>
+            <p:ph sz="half" idx="1"/>
+          </p:nvPr>
+        </p:nvSpPr>
+        <p:spPr>
+          <a:xfrm>
+            <a:off x="838199" y="1825625"/>
+            <a:ext cx="6348663" cy="4351338"/>
+          </a:xfrm>
+        </p:spPr>
+        <p:txBody>
+          <a:bodyPr>
+            <a:normAutofit fontScale="92500" lnSpcReduction="20000"/>
+          </a:bodyPr>
+          <a:lstStyle/>
+          <a:p>
+            <a:r>
+              <a:rPr lang="tr-TR" dirty="0"/>
+              <a:t>Uygulama içerisinde kullanılan içeriklerde eksik veya yanlış kullanımları engellemek amacıyla uyarı mesajı kullanılması tercih ediliyor. </a:t>
+            </a:r>
+          </a:p>
+          <a:p>
+            <a:r>
+              <a:rPr lang="tr-TR" dirty="0"/>
+              <a:t>Projede Doldurulması gerekilen alanların boş bırakılması durumunda kullanılıyor.</a:t>
+            </a:r>
+          </a:p>
+          <a:p>
+            <a:r>
+              <a:rPr lang="tr-TR" dirty="0"/>
+              <a:t>Veri alışverişinde kullanılan storyboardsegue fonksiyonu içerisinde </a:t>
+            </a:r>
+          </a:p>
+          <a:p>
+            <a:r>
+              <a:rPr lang="tr-TR" dirty="0"/>
+              <a:t>İf yapısı ile eğer ks, oda ve yatak adındaki label’ lar boş bırakılırsa (Stepper ile arttırılmaz ise) </a:t>
+            </a:r>
+          </a:p>
+          <a:p>
+            <a:r>
+              <a:rPr lang="tr-TR" dirty="0"/>
+              <a:t>Uyari değişkenini oluşturup alertcontroller metodu kullanılıyor.</a:t>
+            </a:r>
+          </a:p>
+        </p:txBody>
+      </p:sp>
+      <p:pic>
+        <p:nvPicPr>
+          <p:cNvPr id="6" name="Resim 5">
+            <a:extLst>
+              <a:ext uri="{FF2B5EF4-FFF2-40B4-BE49-F238E27FC236}">
+                <a16:creationId xmlns:a16="http://schemas.microsoft.com/office/drawing/2014/main" id="{CB0DE07B-70B5-4E46-B8EB-A790A86E2E0C}"/>
+              </a:ext>
+            </a:extLst>
+          </p:cNvPr>
+          <p:cNvPicPr>
+            <a:picLocks noChangeAspect="1"/>
+          </p:cNvPicPr>
+          <p:nvPr/>
+        </p:nvPicPr>
+        <p:blipFill>
+          <a:blip r:embed="rId2">
+            <a:extLst>
+              <a:ext uri="{28A0092B-C50C-407E-A947-70E740481C1C}">
+                <a14:useLocalDpi xmlns:a14="http://schemas.microsoft.com/office/drawing/2010/main" val="0"/>
+              </a:ext>
+            </a:extLst>
+          </a:blip>
+          <a:stretch>
+            <a:fillRect/>
+          </a:stretch>
+        </p:blipFill>
+        <p:spPr>
+          <a:xfrm>
+            <a:off x="7186862" y="1825625"/>
+            <a:ext cx="4972744" cy="2695951"/>
+          </a:xfrm>
+          <a:prstGeom prst="rect">
+            <a:avLst/>
+          </a:prstGeom>
+        </p:spPr>
+      </p:pic>
+    </p:spTree>
+    <p:extLst>
+      <p:ext uri="{BB962C8B-B14F-4D97-AF65-F5344CB8AC3E}">
+        <p14:creationId xmlns:p14="http://schemas.microsoft.com/office/powerpoint/2010/main" val="531091399"/>
+      </p:ext>
+    </p:extLst>
+  </p:cSld>
+  <p:clrMapOvr>
+    <a:masterClrMapping/>
+  </p:clrMapOvr>
+  <p:transition spd="slow">
+    <p:wipe/>
+  </p:transition>
+</p:sld>
+</file>
+
+<file path=ppt/slides/slide16.xml><?xml version="1.0" encoding="utf-8"?>
+<p:sld xmlns:a="http://schemas.openxmlformats.org/drawingml/2006/main" xmlns:r="http://schemas.openxmlformats.org/officeDocument/2006/relationships" xmlns:p="http://schemas.openxmlformats.org/presentationml/2006/main">
+  <p:cSld>
+    <p:spTree>
+      <p:nvGrpSpPr>
+        <p:cNvPr id="1" name=""/>
+        <p:cNvGrpSpPr/>
+        <p:nvPr/>
+      </p:nvGrpSpPr>
+      <p:grpSpPr>
+        <a:xfrm>
+          <a:off x="0" y="0"/>
+          <a:ext cx="0" cy="0"/>
+          <a:chOff x="0" y="0"/>
+          <a:chExt cx="0" cy="0"/>
+        </a:xfrm>
+      </p:grpSpPr>
+      <p:sp>
+        <p:nvSpPr>
+          <p:cNvPr id="2" name="Başlık 1">
+            <a:extLst>
+              <a:ext uri="{FF2B5EF4-FFF2-40B4-BE49-F238E27FC236}">
                 <a16:creationId xmlns:a16="http://schemas.microsoft.com/office/drawing/2014/main" id="{F8A8824C-6181-415E-A227-56254D15D1C4}"/>
               </a:ext>
             </a:extLst>
@@ -4194,9 +4469,10 @@
           <a:bodyPr/>
           <a:lstStyle/>
           <a:p>
+            <a:pPr algn="ctr"/>
             <a:r>
               <a:rPr lang="tr-TR" dirty="0"/>
-              <a:t>Sunumumu dinlediğiniz için hepinize teşekkürler</a:t>
+              <a:t>Sunumumu dinlediğiniz için teşekkürler</a:t>
             </a:r>
           </a:p>
         </p:txBody>
@@ -5088,7 +5364,7 @@
           <p:cNvPr id="2" name="Başlık 1">
             <a:extLst>
               <a:ext uri="{FF2B5EF4-FFF2-40B4-BE49-F238E27FC236}">
-                <a16:creationId xmlns:a16="http://schemas.microsoft.com/office/drawing/2014/main" id="{A48C729E-3A34-471D-93DC-BDC54CC59489}"/>
+                <a16:creationId xmlns:a16="http://schemas.microsoft.com/office/drawing/2014/main" id="{9C11A870-7178-4A5B-ACBE-3C2886B36123}"/>
               </a:ext>
             </a:extLst>
           </p:cNvPr>
@@ -5099,21 +5375,14 @@
             <p:ph type="title"/>
           </p:nvPr>
         </p:nvSpPr>
-        <p:spPr>
-          <a:xfrm>
-            <a:off x="692150" y="195812"/>
-            <a:ext cx="10960100" cy="970450"/>
-          </a:xfrm>
-        </p:spPr>
-        <p:txBody>
-          <a:bodyPr>
-            <a:normAutofit fontScale="90000"/>
-          </a:bodyPr>
+        <p:spPr/>
+        <p:txBody>
+          <a:bodyPr/>
           <a:lstStyle/>
           <a:p>
             <a:r>
               <a:rPr lang="tr-TR" dirty="0"/>
-              <a:t>Buton ile sayfa geçişi için swift dosyası düzenleme</a:t>
+              <a:t>Buton ile sayfa geçişi</a:t>
             </a:r>
           </a:p>
         </p:txBody>
@@ -5123,7 +5392,7 @@
           <p:cNvPr id="3" name="İçerik Yer Tutucusu 2">
             <a:extLst>
               <a:ext uri="{FF2B5EF4-FFF2-40B4-BE49-F238E27FC236}">
-                <a16:creationId xmlns:a16="http://schemas.microsoft.com/office/drawing/2014/main" id="{5B620E05-8E2E-4F8E-BDCE-F50A51F18E08}"/>
+                <a16:creationId xmlns:a16="http://schemas.microsoft.com/office/drawing/2014/main" id="{F65F3A30-402C-4F03-8908-D93A59A2D9A6}"/>
               </a:ext>
             </a:extLst>
           </p:cNvPr>
@@ -5136,26 +5405,21 @@
         </p:nvSpPr>
         <p:spPr>
           <a:xfrm>
-            <a:off x="381000" y="1166262"/>
-            <a:ext cx="5638800" cy="5010701"/>
-          </a:xfrm>
-        </p:spPr>
-        <p:txBody>
-          <a:bodyPr>
-            <a:normAutofit/>
-          </a:bodyPr>
-          <a:lstStyle/>
-          <a:p>
-            <a:r>
-              <a:rPr lang="tr-TR" sz="2400" dirty="0"/>
-              <a:t>Diğer sayfalara geçmek için öncelikle Segue eklememiz gerekmektedir.</a:t>
-            </a:r>
-          </a:p>
-          <a:p>
-            <a:r>
-              <a:rPr lang="tr-TR" sz="2400" dirty="0"/>
-              <a:t>Segue, uygulamanızın storyboard dosyasındaki iki görüntüleme denetleyicisi arasında bir geçişi tanımlamaktadır. Ekranlar arası geçişi ifade eder. Segue kısaca bir sayfadan başka bir sayfaya geçmeye yarayan yapının adıdır.</a:t>
-            </a:r>
+            <a:off x="838200" y="2320925"/>
+            <a:ext cx="4711700" cy="2517775"/>
+          </a:xfrm>
+        </p:spPr>
+        <p:txBody>
+          <a:bodyPr/>
+          <a:lstStyle/>
+          <a:p>
+            <a:r>
+              <a:rPr lang="tr-TR" dirty="0"/>
+              <a:t>Butona tıklandığında diğer sayfaya geçilmesi isteniliyorsa butonu seçerek cmd tuşuna basılı bir şekilde diğer ekrana sürüklenir ve yapacağı fonksiyon belirlenir.</a:t>
+            </a:r>
+          </a:p>
+          <a:p>
+            <a:endParaRPr lang="tr-TR" dirty="0"/>
           </a:p>
         </p:txBody>
       </p:sp>
@@ -5164,7 +5428,7 @@
           <p:cNvPr id="6" name="İçerik Yer Tutucusu 5">
             <a:extLst>
               <a:ext uri="{FF2B5EF4-FFF2-40B4-BE49-F238E27FC236}">
-                <a16:creationId xmlns:a16="http://schemas.microsoft.com/office/drawing/2014/main" id="{08FD0ADD-5702-4948-AA22-6BBB9F674DA7}"/>
+                <a16:creationId xmlns:a16="http://schemas.microsoft.com/office/drawing/2014/main" id="{D4BF02F5-EBFF-4F5A-99C4-9914E453C0A2}"/>
               </a:ext>
             </a:extLst>
           </p:cNvPr>
@@ -5189,75 +5453,15 @@
         </p:blipFill>
         <p:spPr>
           <a:xfrm>
-            <a:off x="838200" y="3995583"/>
-            <a:ext cx="4025900" cy="2181380"/>
-          </a:xfrm>
-        </p:spPr>
-      </p:pic>
-      <p:pic>
-        <p:nvPicPr>
-          <p:cNvPr id="7" name="Resim 6">
-            <a:extLst>
-              <a:ext uri="{FF2B5EF4-FFF2-40B4-BE49-F238E27FC236}">
-                <a16:creationId xmlns:a16="http://schemas.microsoft.com/office/drawing/2014/main" id="{908B4911-6BD2-4E22-9E0F-18DD1F5ACEB1}"/>
-              </a:ext>
-            </a:extLst>
-          </p:cNvPr>
-          <p:cNvPicPr>
-            <a:picLocks noChangeAspect="1"/>
-          </p:cNvPicPr>
-          <p:nvPr/>
-        </p:nvPicPr>
-        <p:blipFill>
-          <a:blip r:embed="rId3"/>
-          <a:stretch>
-            <a:fillRect/>
-          </a:stretch>
-        </p:blipFill>
-        <p:spPr>
-          <a:xfrm>
-            <a:off x="6172200" y="1430058"/>
-            <a:ext cx="4978370" cy="3146846"/>
-          </a:xfrm>
-          <a:prstGeom prst="rect">
-            <a:avLst/>
-          </a:prstGeom>
-        </p:spPr>
-      </p:pic>
-      <p:pic>
-        <p:nvPicPr>
-          <p:cNvPr id="8" name="Resim 7">
-            <a:extLst>
-              <a:ext uri="{FF2B5EF4-FFF2-40B4-BE49-F238E27FC236}">
-                <a16:creationId xmlns:a16="http://schemas.microsoft.com/office/drawing/2014/main" id="{828AE5E6-D789-40E6-A999-83CFC4E4A639}"/>
-              </a:ext>
-            </a:extLst>
-          </p:cNvPr>
-          <p:cNvPicPr>
-            <a:picLocks noChangeAspect="1"/>
-          </p:cNvPicPr>
-          <p:nvPr/>
-        </p:nvPicPr>
-        <p:blipFill>
-          <a:blip r:embed="rId4"/>
-          <a:stretch>
-            <a:fillRect/>
-          </a:stretch>
-        </p:blipFill>
-        <p:spPr>
-          <a:xfrm>
-            <a:off x="6577254" y="4840701"/>
-            <a:ext cx="4104762" cy="885714"/>
-          </a:xfrm>
-          <a:prstGeom prst="rect">
-            <a:avLst/>
-          </a:prstGeom>
+            <a:off x="6172199" y="1825625"/>
+            <a:ext cx="5820913" cy="2517775"/>
+          </a:xfrm>
         </p:spPr>
       </p:pic>
     </p:spTree>
     <p:extLst>
       <p:ext uri="{BB962C8B-B14F-4D97-AF65-F5344CB8AC3E}">
-        <p14:creationId xmlns:p14="http://schemas.microsoft.com/office/powerpoint/2010/main" val="605616668"/>
+        <p14:creationId xmlns:p14="http://schemas.microsoft.com/office/powerpoint/2010/main" val="1272979929"/>
       </p:ext>
     </p:extLst>
   </p:cSld>
@@ -5292,7 +5496,7 @@
           <p:cNvPr id="2" name="Başlık 1">
             <a:extLst>
               <a:ext uri="{FF2B5EF4-FFF2-40B4-BE49-F238E27FC236}">
-                <a16:creationId xmlns:a16="http://schemas.microsoft.com/office/drawing/2014/main" id="{9C11A870-7178-4A5B-ACBE-3C2886B36123}"/>
+                <a16:creationId xmlns:a16="http://schemas.microsoft.com/office/drawing/2014/main" id="{A48C729E-3A34-471D-93DC-BDC54CC59489}"/>
               </a:ext>
             </a:extLst>
           </p:cNvPr>
@@ -5303,14 +5507,21 @@
             <p:ph type="title"/>
           </p:nvPr>
         </p:nvSpPr>
-        <p:spPr/>
-        <p:txBody>
-          <a:bodyPr/>
+        <p:spPr>
+          <a:xfrm>
+            <a:off x="692150" y="195812"/>
+            <a:ext cx="10960100" cy="970450"/>
+          </a:xfrm>
+        </p:spPr>
+        <p:txBody>
+          <a:bodyPr>
+            <a:normAutofit fontScale="90000"/>
+          </a:bodyPr>
           <a:lstStyle/>
           <a:p>
             <a:r>
               <a:rPr lang="tr-TR" dirty="0"/>
-              <a:t>Buton ile sayfa geçişi</a:t>
+              <a:t>Buton ile sayfa geçişi için swift dosyası düzenleme</a:t>
             </a:r>
           </a:p>
         </p:txBody>
@@ -5320,7 +5531,7 @@
           <p:cNvPr id="3" name="İçerik Yer Tutucusu 2">
             <a:extLst>
               <a:ext uri="{FF2B5EF4-FFF2-40B4-BE49-F238E27FC236}">
-                <a16:creationId xmlns:a16="http://schemas.microsoft.com/office/drawing/2014/main" id="{F65F3A30-402C-4F03-8908-D93A59A2D9A6}"/>
+                <a16:creationId xmlns:a16="http://schemas.microsoft.com/office/drawing/2014/main" id="{5B620E05-8E2E-4F8E-BDCE-F50A51F18E08}"/>
               </a:ext>
             </a:extLst>
           </p:cNvPr>
@@ -5333,21 +5544,26 @@
         </p:nvSpPr>
         <p:spPr>
           <a:xfrm>
-            <a:off x="838200" y="2320925"/>
-            <a:ext cx="4711700" cy="2517775"/>
-          </a:xfrm>
-        </p:spPr>
-        <p:txBody>
-          <a:bodyPr/>
-          <a:lstStyle/>
-          <a:p>
-            <a:r>
-              <a:rPr lang="tr-TR" dirty="0"/>
-              <a:t>Butona tıklandığında diğer sayfaya geçilmesi isteniliyorsa butonu seçerek cmd tuşuna basılı bir şekilde diğer ekrana sürüklenir ve yapacağı fonksiyon belirlenir.</a:t>
-            </a:r>
-          </a:p>
-          <a:p>
-            <a:endParaRPr lang="tr-TR" dirty="0"/>
+            <a:off x="381000" y="1166262"/>
+            <a:ext cx="5638800" cy="5010701"/>
+          </a:xfrm>
+        </p:spPr>
+        <p:txBody>
+          <a:bodyPr>
+            <a:normAutofit/>
+          </a:bodyPr>
+          <a:lstStyle/>
+          <a:p>
+            <a:r>
+              <a:rPr lang="tr-TR" sz="2400" dirty="0"/>
+              <a:t>Diğer sayfalara geçmek için öncelikle Segue eklememiz gerekmektedir.</a:t>
+            </a:r>
+          </a:p>
+          <a:p>
+            <a:r>
+              <a:rPr lang="tr-TR" sz="2400" dirty="0"/>
+              <a:t>Segue, uygulamanızın storyboard dosyasındaki iki görüntüleme denetleyicisi arasında bir geçişi tanımlamaktadır. Ekranlar arası geçişi ifade eder. Segue kısaca bir sayfadan başka bir sayfaya geçmeye yarayan yapının adıdır.</a:t>
+            </a:r>
           </a:p>
         </p:txBody>
       </p:sp>
@@ -5356,7 +5572,7 @@
           <p:cNvPr id="6" name="İçerik Yer Tutucusu 5">
             <a:extLst>
               <a:ext uri="{FF2B5EF4-FFF2-40B4-BE49-F238E27FC236}">
-                <a16:creationId xmlns:a16="http://schemas.microsoft.com/office/drawing/2014/main" id="{D4BF02F5-EBFF-4F5A-99C4-9914E453C0A2}"/>
+                <a16:creationId xmlns:a16="http://schemas.microsoft.com/office/drawing/2014/main" id="{08FD0ADD-5702-4948-AA22-6BBB9F674DA7}"/>
               </a:ext>
             </a:extLst>
           </p:cNvPr>
@@ -5381,15 +5597,75 @@
         </p:blipFill>
         <p:spPr>
           <a:xfrm>
-            <a:off x="6172199" y="1825625"/>
-            <a:ext cx="5820913" cy="2517775"/>
-          </a:xfrm>
+            <a:off x="838200" y="3995583"/>
+            <a:ext cx="4025900" cy="2181380"/>
+          </a:xfrm>
+        </p:spPr>
+      </p:pic>
+      <p:pic>
+        <p:nvPicPr>
+          <p:cNvPr id="7" name="Resim 6">
+            <a:extLst>
+              <a:ext uri="{FF2B5EF4-FFF2-40B4-BE49-F238E27FC236}">
+                <a16:creationId xmlns:a16="http://schemas.microsoft.com/office/drawing/2014/main" id="{908B4911-6BD2-4E22-9E0F-18DD1F5ACEB1}"/>
+              </a:ext>
+            </a:extLst>
+          </p:cNvPr>
+          <p:cNvPicPr>
+            <a:picLocks noChangeAspect="1"/>
+          </p:cNvPicPr>
+          <p:nvPr/>
+        </p:nvPicPr>
+        <p:blipFill>
+          <a:blip r:embed="rId3"/>
+          <a:stretch>
+            <a:fillRect/>
+          </a:stretch>
+        </p:blipFill>
+        <p:spPr>
+          <a:xfrm>
+            <a:off x="6172200" y="1430058"/>
+            <a:ext cx="4978370" cy="3146846"/>
+          </a:xfrm>
+          <a:prstGeom prst="rect">
+            <a:avLst/>
+          </a:prstGeom>
+        </p:spPr>
+      </p:pic>
+      <p:pic>
+        <p:nvPicPr>
+          <p:cNvPr id="8" name="Resim 7">
+            <a:extLst>
+              <a:ext uri="{FF2B5EF4-FFF2-40B4-BE49-F238E27FC236}">
+                <a16:creationId xmlns:a16="http://schemas.microsoft.com/office/drawing/2014/main" id="{828AE5E6-D789-40E6-A999-83CFC4E4A639}"/>
+              </a:ext>
+            </a:extLst>
+          </p:cNvPr>
+          <p:cNvPicPr>
+            <a:picLocks noChangeAspect="1"/>
+          </p:cNvPicPr>
+          <p:nvPr/>
+        </p:nvPicPr>
+        <p:blipFill>
+          <a:blip r:embed="rId4"/>
+          <a:stretch>
+            <a:fillRect/>
+          </a:stretch>
+        </p:blipFill>
+        <p:spPr>
+          <a:xfrm>
+            <a:off x="6577254" y="4840701"/>
+            <a:ext cx="4104762" cy="885714"/>
+          </a:xfrm>
+          <a:prstGeom prst="rect">
+            <a:avLst/>
+          </a:prstGeom>
         </p:spPr>
       </p:pic>
     </p:spTree>
     <p:extLst>
       <p:ext uri="{BB962C8B-B14F-4D97-AF65-F5344CB8AC3E}">
-        <p14:creationId xmlns:p14="http://schemas.microsoft.com/office/powerpoint/2010/main" val="1272979929"/>
+        <p14:creationId xmlns:p14="http://schemas.microsoft.com/office/powerpoint/2010/main" val="605616668"/>
       </p:ext>
     </p:extLst>
   </p:cSld>
